--- a/DS_Sat_2020/DS-Day-08 R.pptx
+++ b/DS_Sat_2020/DS-Day-08 R.pptx
@@ -5,14 +5,15 @@
     <p:sldMasterId id="2147483781" r:id="rId1"/>
   </p:sldMasterIdLst>
   <p:notesMasterIdLst>
-    <p:notesMasterId r:id="rId7"/>
+    <p:notesMasterId r:id="rId8"/>
   </p:notesMasterIdLst>
   <p:sldIdLst>
-    <p:sldId id="292" r:id="rId2"/>
-    <p:sldId id="297" r:id="rId3"/>
-    <p:sldId id="298" r:id="rId4"/>
-    <p:sldId id="293" r:id="rId5"/>
-    <p:sldId id="299" r:id="rId6"/>
+    <p:sldId id="300" r:id="rId2"/>
+    <p:sldId id="292" r:id="rId3"/>
+    <p:sldId id="297" r:id="rId4"/>
+    <p:sldId id="298" r:id="rId5"/>
+    <p:sldId id="293" r:id="rId6"/>
+    <p:sldId id="299" r:id="rId7"/>
   </p:sldIdLst>
   <p:sldSz cx="9144000" cy="6858000" type="screen4x3"/>
   <p:notesSz cx="6858000" cy="9144000"/>
@@ -201,7 +202,7 @@
           <a:p>
             <a:fld id="{22783AA6-C1EF-448D-A48A-EF30DCBEFCCC}" type="datetimeFigureOut">
               <a:rPr lang="en-US" smtClean="0"/>
-              <a:t>10/30/20</a:t>
+              <a:t>10/31/20</a:t>
             </a:fld>
             <a:endParaRPr lang="en-US"/>
           </a:p>
@@ -561,7 +562,7 @@
     </p:spTree>
     <p:extLst>
       <p:ext uri="{BB962C8B-B14F-4D97-AF65-F5344CB8AC3E}">
-        <p14:creationId xmlns:p14="http://schemas.microsoft.com/office/powerpoint/2010/main" val="3111007681"/>
+        <p14:creationId xmlns:p14="http://schemas.microsoft.com/office/powerpoint/2010/main" val="1904507796"/>
       </p:ext>
     </p:extLst>
   </p:cSld>
@@ -663,7 +664,7 @@
     </p:spTree>
     <p:extLst>
       <p:ext uri="{BB962C8B-B14F-4D97-AF65-F5344CB8AC3E}">
-        <p14:creationId xmlns:p14="http://schemas.microsoft.com/office/powerpoint/2010/main" val="2186036532"/>
+        <p14:creationId xmlns:p14="http://schemas.microsoft.com/office/powerpoint/2010/main" val="3111007681"/>
       </p:ext>
     </p:extLst>
   </p:cSld>
@@ -765,7 +766,7 @@
     </p:spTree>
     <p:extLst>
       <p:ext uri="{BB962C8B-B14F-4D97-AF65-F5344CB8AC3E}">
-        <p14:creationId xmlns:p14="http://schemas.microsoft.com/office/powerpoint/2010/main" val="3020687701"/>
+        <p14:creationId xmlns:p14="http://schemas.microsoft.com/office/powerpoint/2010/main" val="2186036532"/>
       </p:ext>
     </p:extLst>
   </p:cSld>
@@ -867,7 +868,7 @@
     </p:spTree>
     <p:extLst>
       <p:ext uri="{BB962C8B-B14F-4D97-AF65-F5344CB8AC3E}">
-        <p14:creationId xmlns:p14="http://schemas.microsoft.com/office/powerpoint/2010/main" val="3212116662"/>
+        <p14:creationId xmlns:p14="http://schemas.microsoft.com/office/powerpoint/2010/main" val="3020687701"/>
       </p:ext>
     </p:extLst>
   </p:cSld>
@@ -957,6 +958,108 @@
               </a:rPr>
               <a:pPr/>
               <a:t>5</a:t>
+            </a:fld>
+            <a:endParaRPr lang="ru-RU">
+              <a:solidFill>
+                <a:prstClr val="black"/>
+              </a:solidFill>
+            </a:endParaRPr>
+          </a:p>
+        </p:txBody>
+      </p:sp>
+    </p:spTree>
+    <p:extLst>
+      <p:ext uri="{BB962C8B-B14F-4D97-AF65-F5344CB8AC3E}">
+        <p14:creationId xmlns:p14="http://schemas.microsoft.com/office/powerpoint/2010/main" val="3212116662"/>
+      </p:ext>
+    </p:extLst>
+  </p:cSld>
+  <p:clrMapOvr>
+    <a:masterClrMapping/>
+  </p:clrMapOvr>
+</p:notes>
+</file>
+
+<file path=ppt/notesSlides/notesSlide6.xml><?xml version="1.0" encoding="utf-8"?>
+<p:notes xmlns:a="http://schemas.openxmlformats.org/drawingml/2006/main" xmlns:r="http://schemas.openxmlformats.org/officeDocument/2006/relationships" xmlns:p="http://schemas.openxmlformats.org/presentationml/2006/main">
+  <p:cSld>
+    <p:spTree>
+      <p:nvGrpSpPr>
+        <p:cNvPr id="1" name=""/>
+        <p:cNvGrpSpPr/>
+        <p:nvPr/>
+      </p:nvGrpSpPr>
+      <p:grpSpPr>
+        <a:xfrm>
+          <a:off x="0" y="0"/>
+          <a:ext cx="0" cy="0"/>
+          <a:chOff x="0" y="0"/>
+          <a:chExt cx="0" cy="0"/>
+        </a:xfrm>
+      </p:grpSpPr>
+      <p:sp>
+        <p:nvSpPr>
+          <p:cNvPr id="2" name="Образ слайда 1"/>
+          <p:cNvSpPr>
+            <a:spLocks noGrp="1" noRot="1" noChangeAspect="1"/>
+          </p:cNvSpPr>
+          <p:nvPr>
+            <p:ph type="sldImg"/>
+          </p:nvPr>
+        </p:nvSpPr>
+        <p:spPr>
+          <a:xfrm>
+            <a:off x="896938" y="746125"/>
+            <a:ext cx="4967287" cy="3727450"/>
+          </a:xfrm>
+        </p:spPr>
+      </p:sp>
+      <p:sp>
+        <p:nvSpPr>
+          <p:cNvPr id="3" name="Заметки 2"/>
+          <p:cNvSpPr>
+            <a:spLocks noGrp="1"/>
+          </p:cNvSpPr>
+          <p:nvPr>
+            <p:ph type="body" idx="1"/>
+          </p:nvPr>
+        </p:nvSpPr>
+        <p:spPr/>
+        <p:txBody>
+          <a:bodyPr>
+            <a:normAutofit/>
+          </a:bodyPr>
+          <a:lstStyle/>
+          <a:p>
+            <a:endParaRPr lang="ru-RU" sz="1400" dirty="0">
+              <a:latin typeface="+mn-lt"/>
+            </a:endParaRPr>
+          </a:p>
+        </p:txBody>
+      </p:sp>
+      <p:sp>
+        <p:nvSpPr>
+          <p:cNvPr id="4" name="Номер слайда 3"/>
+          <p:cNvSpPr>
+            <a:spLocks noGrp="1"/>
+          </p:cNvSpPr>
+          <p:nvPr>
+            <p:ph type="sldNum" sz="quarter" idx="10"/>
+          </p:nvPr>
+        </p:nvSpPr>
+        <p:spPr/>
+        <p:txBody>
+          <a:bodyPr/>
+          <a:lstStyle/>
+          <a:p>
+            <a:fld id="{A868C670-7DD8-483E-B635-2FC3EA348D84}" type="slidenum">
+              <a:rPr lang="ru-RU" smtClean="0">
+                <a:solidFill>
+                  <a:prstClr val="black"/>
+                </a:solidFill>
+              </a:rPr>
+              <a:pPr/>
+              <a:t>6</a:t>
             </a:fld>
             <a:endParaRPr lang="ru-RU">
               <a:solidFill>
@@ -1121,7 +1224,7 @@
           <a:p>
             <a:fld id="{C14F4D0B-68E4-4C14-BD4D-319F9BD213A3}" type="datetimeFigureOut">
               <a:rPr lang="ru-RU" smtClean="0"/>
-              <a:t>30.10.2020</a:t>
+              <a:t>31.10.2020</a:t>
             </a:fld>
             <a:endParaRPr lang="ru-RU"/>
           </a:p>
@@ -1291,7 +1394,7 @@
           <a:p>
             <a:fld id="{C14F4D0B-68E4-4C14-BD4D-319F9BD213A3}" type="datetimeFigureOut">
               <a:rPr lang="ru-RU" smtClean="0"/>
-              <a:t>30.10.2020</a:t>
+              <a:t>31.10.2020</a:t>
             </a:fld>
             <a:endParaRPr lang="ru-RU"/>
           </a:p>
@@ -1471,7 +1574,7 @@
           <a:p>
             <a:fld id="{C14F4D0B-68E4-4C14-BD4D-319F9BD213A3}" type="datetimeFigureOut">
               <a:rPr lang="ru-RU" smtClean="0"/>
-              <a:t>30.10.2020</a:t>
+              <a:t>31.10.2020</a:t>
             </a:fld>
             <a:endParaRPr lang="ru-RU"/>
           </a:p>
@@ -1641,7 +1744,7 @@
           <a:p>
             <a:fld id="{C14F4D0B-68E4-4C14-BD4D-319F9BD213A3}" type="datetimeFigureOut">
               <a:rPr lang="ru-RU" smtClean="0"/>
-              <a:t>30.10.2020</a:t>
+              <a:t>31.10.2020</a:t>
             </a:fld>
             <a:endParaRPr lang="ru-RU"/>
           </a:p>
@@ -1892,7 +1995,7 @@
           <a:p>
             <a:fld id="{C14F4D0B-68E4-4C14-BD4D-319F9BD213A3}" type="datetimeFigureOut">
               <a:rPr lang="ru-RU" smtClean="0"/>
-              <a:t>30.10.2020</a:t>
+              <a:t>31.10.2020</a:t>
             </a:fld>
             <a:endParaRPr lang="ru-RU"/>
           </a:p>
@@ -2124,7 +2227,7 @@
           <a:p>
             <a:fld id="{C14F4D0B-68E4-4C14-BD4D-319F9BD213A3}" type="datetimeFigureOut">
               <a:rPr lang="ru-RU" smtClean="0"/>
-              <a:t>30.10.2020</a:t>
+              <a:t>31.10.2020</a:t>
             </a:fld>
             <a:endParaRPr lang="ru-RU"/>
           </a:p>
@@ -2471,7 +2574,7 @@
           <a:p>
             <a:fld id="{C14F4D0B-68E4-4C14-BD4D-319F9BD213A3}" type="datetimeFigureOut">
               <a:rPr lang="ru-RU" smtClean="0"/>
-              <a:t>30.10.2020</a:t>
+              <a:t>31.10.2020</a:t>
             </a:fld>
             <a:endParaRPr lang="ru-RU"/>
           </a:p>
@@ -2589,7 +2692,7 @@
           <a:p>
             <a:fld id="{C14F4D0B-68E4-4C14-BD4D-319F9BD213A3}" type="datetimeFigureOut">
               <a:rPr lang="ru-RU" smtClean="0"/>
-              <a:t>30.10.2020</a:t>
+              <a:t>31.10.2020</a:t>
             </a:fld>
             <a:endParaRPr lang="ru-RU"/>
           </a:p>
@@ -2707,7 +2810,7 @@
           <a:p>
             <a:fld id="{C14F4D0B-68E4-4C14-BD4D-319F9BD213A3}" type="datetimeFigureOut">
               <a:rPr lang="ru-RU" smtClean="0"/>
-              <a:t>30.10.2020</a:t>
+              <a:t>31.10.2020</a:t>
             </a:fld>
             <a:endParaRPr lang="ru-RU"/>
           </a:p>
@@ -2991,7 +3094,7 @@
           <a:p>
             <a:fld id="{C14F4D0B-68E4-4C14-BD4D-319F9BD213A3}" type="datetimeFigureOut">
               <a:rPr lang="ru-RU" smtClean="0"/>
-              <a:t>30.10.2020</a:t>
+              <a:t>31.10.2020</a:t>
             </a:fld>
             <a:endParaRPr lang="ru-RU"/>
           </a:p>
@@ -3255,7 +3358,7 @@
           <a:p>
             <a:fld id="{C14F4D0B-68E4-4C14-BD4D-319F9BD213A3}" type="datetimeFigureOut">
               <a:rPr lang="ru-RU" smtClean="0"/>
-              <a:t>30.10.2020</a:t>
+              <a:t>31.10.2020</a:t>
             </a:fld>
             <a:endParaRPr lang="ru-RU"/>
           </a:p>
@@ -3469,7 +3572,7 @@
           <a:p>
             <a:fld id="{C14F4D0B-68E4-4C14-BD4D-319F9BD213A3}" type="datetimeFigureOut">
               <a:rPr lang="ru-RU" smtClean="0"/>
-              <a:t>30.10.2020</a:t>
+              <a:t>31.10.2020</a:t>
             </a:fld>
             <a:endParaRPr lang="ru-RU"/>
           </a:p>
@@ -3986,7 +4089,7 @@
                 <a:latin typeface="Arial" pitchFamily="34" charset="0"/>
                 <a:cs typeface="Arial" pitchFamily="34" charset="0"/>
               </a:rPr>
-              <a:t>Текстовый анализ</a:t>
+              <a:t>Задание 1</a:t>
             </a:r>
           </a:p>
         </p:txBody>
@@ -4000,7 +4103,7 @@
         <p:spPr>
           <a:xfrm>
             <a:off x="300524" y="1030293"/>
-            <a:ext cx="7752907" cy="5816977"/>
+            <a:ext cx="7752907" cy="5447645"/>
           </a:xfrm>
           <a:prstGeom prst="rect">
             <a:avLst/>
@@ -4012,145 +4115,57 @@
           </a:bodyPr>
           <a:lstStyle/>
           <a:p>
-            <a:r>
-              <a:rPr lang="en-US" sz="2400" dirty="0"/>
-              <a:t>1. </a:t>
-            </a:r>
-            <a:r>
-              <a:rPr lang="ru-RU" sz="2400" dirty="0"/>
-              <a:t>Поиск текстов заданной тематики</a:t>
-            </a:r>
-          </a:p>
-          <a:p>
-            <a:r>
-              <a:rPr lang="ru-RU" sz="2000" dirty="0"/>
-              <a:t>Форматы: </a:t>
-            </a:r>
-            <a:r>
-              <a:rPr lang="en-US" sz="2000" dirty="0"/>
-              <a:t>txt, </a:t>
-            </a:r>
-            <a:r>
-              <a:rPr lang="en-US" sz="2000" dirty="0" err="1"/>
-              <a:t>uri</a:t>
-            </a:r>
-            <a:r>
-              <a:rPr lang="en-US" sz="2000" dirty="0"/>
-              <a:t>, xml</a:t>
-            </a:r>
-            <a:endParaRPr lang="ru-RU" sz="2000" dirty="0"/>
-          </a:p>
-          <a:p>
-            <a:endParaRPr lang="en-US" sz="2400" dirty="0"/>
-          </a:p>
-          <a:p>
-            <a:r>
-              <a:rPr lang="en-US" sz="2400" dirty="0"/>
-              <a:t>2. </a:t>
-            </a:r>
-            <a:r>
-              <a:rPr lang="ru-RU" sz="2400" dirty="0"/>
-              <a:t>Превращение в тип Корпус</a:t>
-            </a:r>
-          </a:p>
-          <a:p>
-            <a:r>
-              <a:rPr lang="en-US" sz="2000" dirty="0"/>
-              <a:t>library(tm)</a:t>
-            </a:r>
-          </a:p>
-          <a:p>
-            <a:r>
-              <a:rPr lang="en-US" sz="2000" dirty="0" err="1"/>
-              <a:t>VCorpus</a:t>
-            </a:r>
-            <a:r>
-              <a:rPr lang="en-US" sz="2000" dirty="0"/>
-              <a:t>(Source) </a:t>
-            </a:r>
-          </a:p>
-          <a:p>
-            <a:endParaRPr lang="ru-RU" sz="2000" dirty="0"/>
-          </a:p>
-          <a:p>
-            <a:r>
-              <a:rPr lang="en-US" sz="2400" dirty="0"/>
-              <a:t>3. </a:t>
-            </a:r>
-            <a:r>
-              <a:rPr lang="ru-RU" sz="2400" dirty="0"/>
-              <a:t>Предварительная обработка</a:t>
-            </a:r>
-          </a:p>
-          <a:p>
-            <a:pPr marL="800100" lvl="1" indent="-342900">
+            <a:pPr marL="457200" indent="-457200">
               <a:buAutoNum type="arabicPeriod"/>
             </a:pPr>
             <a:r>
               <a:rPr lang="ru-RU" sz="2400" dirty="0"/>
-              <a:t>Удаление символов и чисел</a:t>
-            </a:r>
-          </a:p>
-          <a:p>
-            <a:pPr marL="800100" lvl="1" indent="-342900">
+              <a:t>Используя данные </a:t>
+            </a:r>
+            <a:r>
+              <a:rPr lang="en-US" sz="2400" dirty="0">
+                <a:hlinkClick r:id="rId3"/>
+              </a:rPr>
+              <a:t>https://www.kaggle.com/martj42/international-football-results-from-1872-to-2017/data</a:t>
+            </a:r>
+            <a:r>
+              <a:rPr lang="ru-RU" sz="2400" dirty="0"/>
+              <a:t> построить карту стран мира, в которых страны будут закрашены согласно количеству побед. Учитывать данные с 1995 года. </a:t>
+            </a:r>
+          </a:p>
+          <a:p>
+            <a:pPr marL="457200" indent="-457200">
               <a:buAutoNum type="arabicPeriod"/>
             </a:pPr>
             <a:r>
               <a:rPr lang="ru-RU" sz="2400" dirty="0"/>
-              <a:t>Удаление неинформативных слов</a:t>
+              <a:t>Нужно выяснить, есть ли сезонная компонента в количестве осадков в Сиэтле. Градусы перевести в Цельсии. Есть ли корреляция между температурой и осадками? Составить прогноз осадков на 2018 год, оценить точность прогноза (</a:t>
+            </a:r>
+            <a:r>
+              <a:rPr lang="en-US" sz="2400" dirty="0"/>
+              <a:t>https://</a:t>
+            </a:r>
+            <a:r>
+              <a:rPr lang="en-US" sz="2400" dirty="0" err="1"/>
+              <a:t>www.kaggle.com</a:t>
+            </a:r>
+            <a:r>
+              <a:rPr lang="en-US" sz="2400" dirty="0"/>
+              <a:t>/</a:t>
+            </a:r>
+            <a:r>
+              <a:rPr lang="en-US" sz="2400" dirty="0" err="1"/>
+              <a:t>rtatman</a:t>
+            </a:r>
+            <a:r>
+              <a:rPr lang="en-US" sz="2400" dirty="0"/>
+              <a:t>/did-it-rain-in-seattle-19482017/data</a:t>
+            </a:r>
+            <a:r>
+              <a:rPr lang="ru-RU" sz="2400" dirty="0"/>
+              <a:t>).</a:t>
             </a:r>
             <a:endParaRPr lang="en-US" sz="2400" dirty="0"/>
-          </a:p>
-          <a:p>
-            <a:r>
-              <a:rPr lang="en-US" sz="2000" dirty="0" err="1"/>
-              <a:t>tm_map</a:t>
-            </a:r>
-            <a:r>
-              <a:rPr lang="en-US" sz="2000" dirty="0"/>
-              <a:t>, </a:t>
-            </a:r>
-            <a:r>
-              <a:rPr lang="en-US" sz="2000" dirty="0" err="1"/>
-              <a:t>gsub</a:t>
-            </a:r>
-            <a:endParaRPr lang="en-US" sz="2000" dirty="0"/>
-          </a:p>
-          <a:p>
-            <a:r>
-              <a:rPr lang="en-US" sz="2000" dirty="0" err="1"/>
-              <a:t>stopwords</a:t>
-            </a:r>
-            <a:r>
-              <a:rPr lang="en-US" sz="2000" dirty="0"/>
-              <a:t>("</a:t>
-            </a:r>
-            <a:r>
-              <a:rPr lang="en-US" sz="2000" dirty="0" err="1"/>
-              <a:t>english</a:t>
-            </a:r>
-            <a:r>
-              <a:rPr lang="en-US" sz="2000" dirty="0"/>
-              <a:t>")</a:t>
-            </a:r>
-          </a:p>
-          <a:p>
-            <a:r>
-              <a:rPr lang="ru-RU" sz="2400" dirty="0"/>
-              <a:t>4. Приведение слов к одной форме </a:t>
-            </a:r>
-            <a:r>
-              <a:rPr lang="en-US" sz="2400" dirty="0"/>
-              <a:t>– </a:t>
-            </a:r>
-            <a:r>
-              <a:rPr lang="ru-RU" sz="2400" dirty="0" err="1"/>
-              <a:t>стеммизация</a:t>
-            </a:r>
-            <a:r>
-              <a:rPr lang="ru-RU" sz="2400" dirty="0"/>
-              <a:t> (опционально)</a:t>
-            </a:r>
           </a:p>
           <a:p>
             <a:endParaRPr lang="ru-RU" sz="2400" dirty="0"/>
@@ -4266,7 +4281,7 @@
     </p:spTree>
     <p:extLst>
       <p:ext uri="{BB962C8B-B14F-4D97-AF65-F5344CB8AC3E}">
-        <p14:creationId xmlns:p14="http://schemas.microsoft.com/office/powerpoint/2010/main" val="969955257"/>
+        <p14:creationId xmlns:p14="http://schemas.microsoft.com/office/powerpoint/2010/main" val="723815225"/>
       </p:ext>
     </p:extLst>
   </p:cSld>
@@ -4429,8 +4444,8 @@
         </p:nvSpPr>
         <p:spPr>
           <a:xfrm>
-            <a:off x="300524" y="1181295"/>
-            <a:ext cx="7752907" cy="1692771"/>
+            <a:off x="300524" y="1030293"/>
+            <a:ext cx="7752907" cy="5816977"/>
           </a:xfrm>
           <a:prstGeom prst="rect">
             <a:avLst/>
@@ -4443,37 +4458,153 @@
           <a:lstStyle/>
           <a:p>
             <a:r>
+              <a:rPr lang="en-US" sz="2400" dirty="0"/>
+              <a:t>1. </a:t>
+            </a:r>
+            <a:r>
               <a:rPr lang="ru-RU" sz="2400" dirty="0"/>
-              <a:t>5. Частоты слов, кластеризация терминов, облако слов</a:t>
-            </a:r>
-          </a:p>
-          <a:p>
+              <a:t>Поиск текстов заданной тематики</a:t>
+            </a:r>
+          </a:p>
+          <a:p>
+            <a:r>
+              <a:rPr lang="ru-RU" sz="2000" dirty="0"/>
+              <a:t>Форматы: </a:t>
+            </a:r>
+            <a:r>
+              <a:rPr lang="en-US" sz="2000" dirty="0"/>
+              <a:t>txt, </a:t>
+            </a:r>
             <a:r>
               <a:rPr lang="en-US" sz="2000" dirty="0" err="1"/>
-              <a:t>DocumentTermMatrix</a:t>
+              <a:t>uri</a:t>
+            </a:r>
+            <a:r>
+              <a:rPr lang="en-US" sz="2000" dirty="0"/>
+              <a:t>, xml</a:t>
             </a:r>
             <a:endParaRPr lang="ru-RU" sz="2000" dirty="0"/>
           </a:p>
           <a:p>
+            <a:endParaRPr lang="en-US" sz="2400" dirty="0"/>
+          </a:p>
+          <a:p>
+            <a:r>
+              <a:rPr lang="en-US" sz="2400" dirty="0"/>
+              <a:t>2. </a:t>
+            </a:r>
+            <a:r>
+              <a:rPr lang="ru-RU" sz="2400" dirty="0"/>
+              <a:t>Превращение в тип Корпус</a:t>
+            </a:r>
+          </a:p>
+          <a:p>
+            <a:r>
+              <a:rPr lang="en-US" sz="2000" dirty="0"/>
+              <a:t>library(tm)</a:t>
+            </a:r>
+          </a:p>
+          <a:p>
             <a:r>
               <a:rPr lang="en-US" sz="2000" dirty="0" err="1"/>
-              <a:t>findAssocs</a:t>
-            </a:r>
+              <a:t>VCorpus</a:t>
+            </a:r>
+            <a:r>
+              <a:rPr lang="en-US" sz="2000" dirty="0"/>
+              <a:t>(Source) </a:t>
+            </a:r>
+          </a:p>
+          <a:p>
             <a:endParaRPr lang="ru-RU" sz="2000" dirty="0"/>
           </a:p>
           <a:p>
             <a:r>
+              <a:rPr lang="en-US" sz="2400" dirty="0"/>
+              <a:t>3. </a:t>
+            </a:r>
+            <a:r>
+              <a:rPr lang="ru-RU" sz="2400" dirty="0"/>
+              <a:t>Предварительная обработка</a:t>
+            </a:r>
+          </a:p>
+          <a:p>
+            <a:pPr marL="800100" lvl="1" indent="-342900">
+              <a:buAutoNum type="arabicPeriod"/>
+            </a:pPr>
+            <a:r>
+              <a:rPr lang="ru-RU" sz="2400" dirty="0"/>
+              <a:t>Удаление символов и чисел</a:t>
+            </a:r>
+          </a:p>
+          <a:p>
+            <a:pPr marL="800100" lvl="1" indent="-342900">
+              <a:buAutoNum type="arabicPeriod"/>
+            </a:pPr>
+            <a:r>
+              <a:rPr lang="ru-RU" sz="2400" dirty="0"/>
+              <a:t>Удаление неинформативных слов</a:t>
+            </a:r>
+            <a:endParaRPr lang="en-US" sz="2400" dirty="0"/>
+          </a:p>
+          <a:p>
+            <a:r>
               <a:rPr lang="en-US" sz="2000" dirty="0" err="1"/>
-              <a:t>removeSparseTerms</a:t>
-            </a:r>
-            <a:endParaRPr lang="ru-RU" sz="2000" dirty="0"/>
-          </a:p>
-          <a:p>
+              <a:t>tm_map</a:t>
+            </a:r>
+            <a:r>
+              <a:rPr lang="en-US" sz="2000" dirty="0"/>
+              <a:t>, </a:t>
+            </a:r>
             <a:r>
               <a:rPr lang="en-US" sz="2000" dirty="0" err="1"/>
-              <a:t>wordcloud</a:t>
-            </a:r>
+              <a:t>gsub</a:t>
+            </a:r>
+            <a:endParaRPr lang="en-US" sz="2000" dirty="0"/>
+          </a:p>
+          <a:p>
+            <a:r>
+              <a:rPr lang="en-US" sz="2000" dirty="0" err="1"/>
+              <a:t>stopwords</a:t>
+            </a:r>
+            <a:r>
+              <a:rPr lang="en-US" sz="2000" dirty="0"/>
+              <a:t>("</a:t>
+            </a:r>
+            <a:r>
+              <a:rPr lang="en-US" sz="2000" dirty="0" err="1"/>
+              <a:t>english</a:t>
+            </a:r>
+            <a:r>
+              <a:rPr lang="en-US" sz="2000" dirty="0"/>
+              <a:t>")</a:t>
+            </a:r>
+          </a:p>
+          <a:p>
+            <a:r>
+              <a:rPr lang="ru-RU" sz="2400" dirty="0"/>
+              <a:t>4. Приведение слов к одной форме </a:t>
+            </a:r>
+            <a:r>
+              <a:rPr lang="en-US" sz="2400" dirty="0"/>
+              <a:t>– </a:t>
+            </a:r>
+            <a:r>
+              <a:rPr lang="ru-RU" sz="2400" dirty="0" err="1"/>
+              <a:t>стеммизация</a:t>
+            </a:r>
+            <a:r>
+              <a:rPr lang="ru-RU" sz="2400" dirty="0"/>
+              <a:t> (опционально)</a:t>
+            </a:r>
+          </a:p>
+          <a:p>
             <a:endParaRPr lang="ru-RU" sz="2400" dirty="0"/>
+          </a:p>
+          <a:p>
+            <a:endParaRPr lang="ru-RU" dirty="0"/>
+          </a:p>
+          <a:p>
+            <a:endParaRPr lang="ru-RU" dirty="0"/>
           </a:p>
         </p:txBody>
       </p:sp>
@@ -4577,107 +4708,10 @@
           </a:p>
         </p:txBody>
       </p:sp>
-      <p:pic>
-        <p:nvPicPr>
-          <p:cNvPr id="4" name="Рисунок 3"/>
-          <p:cNvPicPr>
-            <a:picLocks noChangeAspect="1"/>
-          </p:cNvPicPr>
-          <p:nvPr/>
-        </p:nvPicPr>
-        <p:blipFill>
-          <a:blip r:embed="rId3"/>
-          <a:stretch>
-            <a:fillRect/>
-          </a:stretch>
-        </p:blipFill>
-        <p:spPr>
-          <a:xfrm>
-            <a:off x="6599804" y="1593503"/>
-            <a:ext cx="2024079" cy="3342516"/>
-          </a:xfrm>
-          <a:prstGeom prst="rect">
-            <a:avLst/>
-          </a:prstGeom>
-        </p:spPr>
-      </p:pic>
-      <p:pic>
-        <p:nvPicPr>
-          <p:cNvPr id="6" name="Рисунок 5"/>
-          <p:cNvPicPr>
-            <a:picLocks noChangeAspect="1"/>
-          </p:cNvPicPr>
-          <p:nvPr/>
-        </p:nvPicPr>
-        <p:blipFill rotWithShape="1">
-          <a:blip r:embed="rId4"/>
-          <a:srcRect t="16864" b="19433"/>
-          <a:stretch/>
-        </p:blipFill>
-        <p:spPr>
-          <a:xfrm>
-            <a:off x="231641" y="3217178"/>
-            <a:ext cx="3460928" cy="3640822"/>
-          </a:xfrm>
-          <a:prstGeom prst="rect">
-            <a:avLst/>
-          </a:prstGeom>
-        </p:spPr>
-      </p:pic>
-      <p:sp>
-        <p:nvSpPr>
-          <p:cNvPr id="8" name="Прямоугольник 7"/>
-          <p:cNvSpPr/>
-          <p:nvPr/>
-        </p:nvSpPr>
-        <p:spPr>
-          <a:xfrm>
-            <a:off x="3817562" y="5025358"/>
-            <a:ext cx="4666406" cy="1015663"/>
-          </a:xfrm>
-          <a:prstGeom prst="rect">
-            <a:avLst/>
-          </a:prstGeom>
-        </p:spPr>
-        <p:txBody>
-          <a:bodyPr wrap="none">
-            <a:spAutoFit/>
-          </a:bodyPr>
-          <a:lstStyle/>
-          <a:p>
-            <a:r>
-              <a:rPr lang="ru-RU" sz="2400" dirty="0"/>
-              <a:t>6. Анализ эмоционального окраса</a:t>
-            </a:r>
-          </a:p>
-          <a:p>
-            <a:r>
-              <a:rPr lang="en-US" dirty="0"/>
-              <a:t>library(</a:t>
-            </a:r>
-            <a:r>
-              <a:rPr lang="en-US" dirty="0" err="1"/>
-              <a:t>SentimentAnalysis</a:t>
-            </a:r>
-            <a:r>
-              <a:rPr lang="en-US" dirty="0"/>
-              <a:t>)</a:t>
-            </a:r>
-            <a:endParaRPr lang="ru-RU" dirty="0"/>
-          </a:p>
-          <a:p>
-            <a:r>
-              <a:rPr lang="en-US" dirty="0" err="1"/>
-              <a:t>analyzeSentiment</a:t>
-            </a:r>
-            <a:endParaRPr lang="en-US" dirty="0"/>
-          </a:p>
-        </p:txBody>
-      </p:sp>
     </p:spTree>
     <p:extLst>
       <p:ext uri="{BB962C8B-B14F-4D97-AF65-F5344CB8AC3E}">
-        <p14:creationId xmlns:p14="http://schemas.microsoft.com/office/powerpoint/2010/main" val="2551178206"/>
+        <p14:creationId xmlns:p14="http://schemas.microsoft.com/office/powerpoint/2010/main" val="969955257"/>
       </p:ext>
     </p:extLst>
   </p:cSld>
@@ -4840,8 +4874,8 @@
         </p:nvSpPr>
         <p:spPr>
           <a:xfrm>
-            <a:off x="300524" y="1030293"/>
-            <a:ext cx="7752907" cy="2739211"/>
+            <a:off x="300524" y="1181295"/>
+            <a:ext cx="7752907" cy="1692771"/>
           </a:xfrm>
           <a:prstGeom prst="rect">
             <a:avLst/>
@@ -4855,78 +4889,36 @@
           <a:p>
             <a:r>
               <a:rPr lang="ru-RU" sz="2400" dirty="0"/>
-              <a:t>7</a:t>
-            </a:r>
-            <a:r>
-              <a:rPr lang="en-US" sz="2400" dirty="0"/>
-              <a:t>. </a:t>
-            </a:r>
-            <a:r>
-              <a:rPr lang="ru-RU" sz="2400" dirty="0"/>
-              <a:t>Оценка схожести текстов </a:t>
-            </a:r>
-          </a:p>
-          <a:p>
-            <a:pPr marL="342900" indent="-342900">
-              <a:buFont typeface="Arial" panose="020B0604020202020204" pitchFamily="34" charset="0"/>
-              <a:buChar char="•"/>
-            </a:pPr>
-            <a:r>
-              <a:rPr lang="ru-RU" sz="2000" dirty="0"/>
-              <a:t>оценка расстояния между текстами;</a:t>
-            </a:r>
-          </a:p>
-          <a:p>
-            <a:pPr marL="342900" indent="-342900">
-              <a:buFont typeface="Arial" panose="020B0604020202020204" pitchFamily="34" charset="0"/>
-              <a:buChar char="•"/>
-            </a:pPr>
-            <a:r>
-              <a:rPr lang="ru-RU" sz="2000" dirty="0"/>
-              <a:t>оценка угла между векторами частот в пространстве терминов.</a:t>
-            </a:r>
-          </a:p>
-          <a:p>
-            <a:endParaRPr lang="en-US" sz="2400" dirty="0"/>
-          </a:p>
-          <a:p>
-            <a:r>
-              <a:rPr lang="ru-RU" sz="2400" dirty="0"/>
-              <a:t>8</a:t>
-            </a:r>
-            <a:r>
-              <a:rPr lang="en-US" sz="2400" dirty="0"/>
-              <a:t>. </a:t>
-            </a:r>
-            <a:r>
-              <a:rPr lang="ru-RU" sz="2400" dirty="0"/>
-              <a:t>Выделение главных тем текстов и наиболее вероятных слов, что их описывают</a:t>
-            </a:r>
-          </a:p>
-          <a:p>
-            <a:r>
-              <a:rPr lang="en" dirty="0"/>
-              <a:t>library(</a:t>
-            </a:r>
-            <a:r>
-              <a:rPr lang="en" dirty="0" err="1"/>
-              <a:t>topicmodels</a:t>
-            </a:r>
-            <a:r>
-              <a:rPr lang="en" dirty="0"/>
-              <a:t>)</a:t>
+              <a:t>5. Частоты слов, кластеризация терминов, облако слов</a:t>
+            </a:r>
+          </a:p>
+          <a:p>
+            <a:r>
+              <a:rPr lang="en-US" sz="2000" dirty="0" err="1"/>
+              <a:t>DocumentTermMatrix</a:t>
+            </a:r>
+            <a:endParaRPr lang="ru-RU" sz="2000" dirty="0"/>
+          </a:p>
+          <a:p>
+            <a:r>
+              <a:rPr lang="en-US" sz="2000" dirty="0" err="1"/>
+              <a:t>findAssocs</a:t>
+            </a:r>
+            <a:endParaRPr lang="ru-RU" sz="2000" dirty="0"/>
+          </a:p>
+          <a:p>
+            <a:r>
+              <a:rPr lang="en-US" sz="2000" dirty="0" err="1"/>
+              <a:t>removeSparseTerms</a:t>
+            </a:r>
+            <a:endParaRPr lang="ru-RU" sz="2000" dirty="0"/>
+          </a:p>
+          <a:p>
+            <a:r>
+              <a:rPr lang="en-US" sz="2000" dirty="0" err="1"/>
+              <a:t>wordcloud</a:t>
             </a:r>
             <a:endParaRPr lang="ru-RU" sz="2400" dirty="0"/>
-          </a:p>
-          <a:p>
-            <a:r>
-              <a:rPr lang="en" dirty="0"/>
-              <a:t>LDA</a:t>
-            </a:r>
-            <a:r>
-              <a:rPr lang="ru-RU" dirty="0"/>
-              <a:t>()</a:t>
-            </a:r>
           </a:p>
         </p:txBody>
       </p:sp>
@@ -5030,6 +5022,459 @@
           </a:p>
         </p:txBody>
       </p:sp>
+      <p:pic>
+        <p:nvPicPr>
+          <p:cNvPr id="4" name="Рисунок 3"/>
+          <p:cNvPicPr>
+            <a:picLocks noChangeAspect="1"/>
+          </p:cNvPicPr>
+          <p:nvPr/>
+        </p:nvPicPr>
+        <p:blipFill>
+          <a:blip r:embed="rId3"/>
+          <a:stretch>
+            <a:fillRect/>
+          </a:stretch>
+        </p:blipFill>
+        <p:spPr>
+          <a:xfrm>
+            <a:off x="6599804" y="1593503"/>
+            <a:ext cx="2024079" cy="3342516"/>
+          </a:xfrm>
+          <a:prstGeom prst="rect">
+            <a:avLst/>
+          </a:prstGeom>
+        </p:spPr>
+      </p:pic>
+      <p:pic>
+        <p:nvPicPr>
+          <p:cNvPr id="6" name="Рисунок 5"/>
+          <p:cNvPicPr>
+            <a:picLocks noChangeAspect="1"/>
+          </p:cNvPicPr>
+          <p:nvPr/>
+        </p:nvPicPr>
+        <p:blipFill rotWithShape="1">
+          <a:blip r:embed="rId4"/>
+          <a:srcRect t="16864" b="19433"/>
+          <a:stretch/>
+        </p:blipFill>
+        <p:spPr>
+          <a:xfrm>
+            <a:off x="231641" y="3217178"/>
+            <a:ext cx="3460928" cy="3640822"/>
+          </a:xfrm>
+          <a:prstGeom prst="rect">
+            <a:avLst/>
+          </a:prstGeom>
+        </p:spPr>
+      </p:pic>
+      <p:sp>
+        <p:nvSpPr>
+          <p:cNvPr id="8" name="Прямоугольник 7"/>
+          <p:cNvSpPr/>
+          <p:nvPr/>
+        </p:nvSpPr>
+        <p:spPr>
+          <a:xfrm>
+            <a:off x="3817562" y="5025358"/>
+            <a:ext cx="4666406" cy="1015663"/>
+          </a:xfrm>
+          <a:prstGeom prst="rect">
+            <a:avLst/>
+          </a:prstGeom>
+        </p:spPr>
+        <p:txBody>
+          <a:bodyPr wrap="none">
+            <a:spAutoFit/>
+          </a:bodyPr>
+          <a:lstStyle/>
+          <a:p>
+            <a:r>
+              <a:rPr lang="ru-RU" sz="2400" dirty="0"/>
+              <a:t>6. Анализ эмоционального окраса</a:t>
+            </a:r>
+          </a:p>
+          <a:p>
+            <a:r>
+              <a:rPr lang="en-US" dirty="0"/>
+              <a:t>library(</a:t>
+            </a:r>
+            <a:r>
+              <a:rPr lang="en-US" dirty="0" err="1"/>
+              <a:t>SentimentAnalysis</a:t>
+            </a:r>
+            <a:r>
+              <a:rPr lang="en-US" dirty="0"/>
+              <a:t>)</a:t>
+            </a:r>
+            <a:endParaRPr lang="ru-RU" dirty="0"/>
+          </a:p>
+          <a:p>
+            <a:r>
+              <a:rPr lang="en-US" dirty="0" err="1"/>
+              <a:t>analyzeSentiment</a:t>
+            </a:r>
+            <a:endParaRPr lang="en-US" dirty="0"/>
+          </a:p>
+        </p:txBody>
+      </p:sp>
+    </p:spTree>
+    <p:extLst>
+      <p:ext uri="{BB962C8B-B14F-4D97-AF65-F5344CB8AC3E}">
+        <p14:creationId xmlns:p14="http://schemas.microsoft.com/office/powerpoint/2010/main" val="2551178206"/>
+      </p:ext>
+    </p:extLst>
+  </p:cSld>
+  <p:clrMapOvr>
+    <a:masterClrMapping/>
+  </p:clrMapOvr>
+</p:sld>
+</file>
+
+<file path=ppt/slides/slide4.xml><?xml version="1.0" encoding="utf-8"?>
+<p:sld xmlns:a="http://schemas.openxmlformats.org/drawingml/2006/main" xmlns:r="http://schemas.openxmlformats.org/officeDocument/2006/relationships" xmlns:p="http://schemas.openxmlformats.org/presentationml/2006/main">
+  <p:cSld>
+    <p:spTree>
+      <p:nvGrpSpPr>
+        <p:cNvPr id="1" name=""/>
+        <p:cNvGrpSpPr/>
+        <p:nvPr/>
+      </p:nvGrpSpPr>
+      <p:grpSpPr>
+        <a:xfrm>
+          <a:off x="0" y="0"/>
+          <a:ext cx="0" cy="0"/>
+          <a:chOff x="0" y="0"/>
+          <a:chExt cx="0" cy="0"/>
+        </a:xfrm>
+      </p:grpSpPr>
+      <p:grpSp>
+        <p:nvGrpSpPr>
+          <p:cNvPr id="9" name="Группа 8"/>
+          <p:cNvGrpSpPr/>
+          <p:nvPr/>
+        </p:nvGrpSpPr>
+        <p:grpSpPr>
+          <a:xfrm>
+            <a:off x="231641" y="804755"/>
+            <a:ext cx="8583930" cy="83408"/>
+            <a:chOff x="240030" y="759941"/>
+            <a:chExt cx="8583930" cy="83408"/>
+          </a:xfrm>
+        </p:grpSpPr>
+        <p:cxnSp>
+          <p:nvCxnSpPr>
+            <p:cNvPr id="2" name="Прямая соединительная линия 1"/>
+            <p:cNvCxnSpPr/>
+            <p:nvPr/>
+          </p:nvCxnSpPr>
+          <p:spPr>
+            <a:xfrm>
+              <a:off x="560070" y="759941"/>
+              <a:ext cx="8263890" cy="0"/>
+            </a:xfrm>
+            <a:prstGeom prst="line">
+              <a:avLst/>
+            </a:prstGeom>
+            <a:ln w="76200" cap="flat" cmpd="sng" algn="ctr">
+              <a:solidFill>
+                <a:srgbClr val="0064B5"/>
+              </a:solidFill>
+              <a:prstDash val="solid"/>
+              <a:round/>
+              <a:headEnd type="none" w="med" len="sm"/>
+              <a:tailEnd type="none" w="med" len="sm"/>
+            </a:ln>
+          </p:spPr>
+          <p:style>
+            <a:lnRef idx="1">
+              <a:schemeClr val="accent1"/>
+            </a:lnRef>
+            <a:fillRef idx="0">
+              <a:schemeClr val="accent1"/>
+            </a:fillRef>
+            <a:effectRef idx="0">
+              <a:schemeClr val="accent1"/>
+            </a:effectRef>
+            <a:fontRef idx="minor">
+              <a:schemeClr val="tx1"/>
+            </a:fontRef>
+          </p:style>
+        </p:cxnSp>
+        <p:cxnSp>
+          <p:nvCxnSpPr>
+            <p:cNvPr id="3" name="Прямая соединительная линия 2"/>
+            <p:cNvCxnSpPr/>
+            <p:nvPr/>
+          </p:nvCxnSpPr>
+          <p:spPr>
+            <a:xfrm>
+              <a:off x="240030" y="843349"/>
+              <a:ext cx="8286750" cy="0"/>
+            </a:xfrm>
+            <a:prstGeom prst="line">
+              <a:avLst/>
+            </a:prstGeom>
+            <a:ln w="76200" cap="flat" cmpd="sng" algn="ctr">
+              <a:solidFill>
+                <a:srgbClr val="F5A200"/>
+              </a:solidFill>
+              <a:prstDash val="solid"/>
+              <a:round/>
+              <a:headEnd type="none" w="med" len="sm"/>
+              <a:tailEnd type="none" w="med" len="sm"/>
+            </a:ln>
+          </p:spPr>
+          <p:style>
+            <a:lnRef idx="1">
+              <a:schemeClr val="accent1"/>
+            </a:lnRef>
+            <a:fillRef idx="0">
+              <a:schemeClr val="accent1"/>
+            </a:fillRef>
+            <a:effectRef idx="0">
+              <a:schemeClr val="accent1"/>
+            </a:effectRef>
+            <a:fontRef idx="minor">
+              <a:schemeClr val="tx1"/>
+            </a:fontRef>
+          </p:style>
+        </p:cxnSp>
+      </p:grpSp>
+      <p:sp>
+        <p:nvSpPr>
+          <p:cNvPr id="5" name="TextBox 4"/>
+          <p:cNvSpPr txBox="1"/>
+          <p:nvPr/>
+        </p:nvSpPr>
+        <p:spPr>
+          <a:xfrm>
+            <a:off x="491506" y="135310"/>
+            <a:ext cx="8504712" cy="629326"/>
+          </a:xfrm>
+          <a:prstGeom prst="rect">
+            <a:avLst/>
+          </a:prstGeom>
+          <a:noFill/>
+        </p:spPr>
+        <p:txBody>
+          <a:bodyPr vert="horz" wrap="square" lIns="74600" tIns="37300" rIns="74600" bIns="37300" rtlCol="0">
+            <a:spAutoFit/>
+          </a:bodyPr>
+          <a:lstStyle/>
+          <a:p>
+            <a:r>
+              <a:rPr lang="ru-RU" sz="3600" b="1" dirty="0">
+                <a:solidFill>
+                  <a:srgbClr val="0064B5"/>
+                </a:solidFill>
+                <a:latin typeface="Arial" pitchFamily="34" charset="0"/>
+                <a:cs typeface="Arial" pitchFamily="34" charset="0"/>
+              </a:rPr>
+              <a:t>Текстовый анализ</a:t>
+            </a:r>
+          </a:p>
+        </p:txBody>
+      </p:sp>
+      <p:sp>
+        <p:nvSpPr>
+          <p:cNvPr id="7" name="Прямоугольник 6"/>
+          <p:cNvSpPr/>
+          <p:nvPr/>
+        </p:nvSpPr>
+        <p:spPr>
+          <a:xfrm>
+            <a:off x="300524" y="1030293"/>
+            <a:ext cx="7752907" cy="2739211"/>
+          </a:xfrm>
+          <a:prstGeom prst="rect">
+            <a:avLst/>
+          </a:prstGeom>
+        </p:spPr>
+        <p:txBody>
+          <a:bodyPr wrap="square">
+            <a:spAutoFit/>
+          </a:bodyPr>
+          <a:lstStyle/>
+          <a:p>
+            <a:r>
+              <a:rPr lang="ru-RU" sz="2400" dirty="0"/>
+              <a:t>7</a:t>
+            </a:r>
+            <a:r>
+              <a:rPr lang="en-US" sz="2400" dirty="0"/>
+              <a:t>. </a:t>
+            </a:r>
+            <a:r>
+              <a:rPr lang="ru-RU" sz="2400" dirty="0"/>
+              <a:t>Оценка схожести текстов </a:t>
+            </a:r>
+          </a:p>
+          <a:p>
+            <a:pPr marL="342900" indent="-342900">
+              <a:buFont typeface="Arial" panose="020B0604020202020204" pitchFamily="34" charset="0"/>
+              <a:buChar char="•"/>
+            </a:pPr>
+            <a:r>
+              <a:rPr lang="ru-RU" sz="2000" dirty="0"/>
+              <a:t>оценка расстояния между текстами;</a:t>
+            </a:r>
+          </a:p>
+          <a:p>
+            <a:pPr marL="342900" indent="-342900">
+              <a:buFont typeface="Arial" panose="020B0604020202020204" pitchFamily="34" charset="0"/>
+              <a:buChar char="•"/>
+            </a:pPr>
+            <a:r>
+              <a:rPr lang="ru-RU" sz="2000" dirty="0"/>
+              <a:t>оценка угла между векторами частот в пространстве терминов.</a:t>
+            </a:r>
+          </a:p>
+          <a:p>
+            <a:endParaRPr lang="en-US" sz="2400" dirty="0"/>
+          </a:p>
+          <a:p>
+            <a:r>
+              <a:rPr lang="ru-RU" sz="2400" dirty="0"/>
+              <a:t>8</a:t>
+            </a:r>
+            <a:r>
+              <a:rPr lang="en-US" sz="2400" dirty="0"/>
+              <a:t>. </a:t>
+            </a:r>
+            <a:r>
+              <a:rPr lang="ru-RU" sz="2400" dirty="0"/>
+              <a:t>Выделение главных тем текстов и наиболее вероятных слов, что их описывают</a:t>
+            </a:r>
+          </a:p>
+          <a:p>
+            <a:r>
+              <a:rPr lang="en" dirty="0"/>
+              <a:t>library(</a:t>
+            </a:r>
+            <a:r>
+              <a:rPr lang="en" dirty="0" err="1"/>
+              <a:t>topicmodels</a:t>
+            </a:r>
+            <a:r>
+              <a:rPr lang="en" dirty="0"/>
+              <a:t>)</a:t>
+            </a:r>
+            <a:endParaRPr lang="ru-RU" sz="2400" dirty="0"/>
+          </a:p>
+          <a:p>
+            <a:r>
+              <a:rPr lang="en" dirty="0"/>
+              <a:t>LDA</a:t>
+            </a:r>
+            <a:r>
+              <a:rPr lang="ru-RU" dirty="0"/>
+              <a:t>()</a:t>
+            </a:r>
+          </a:p>
+        </p:txBody>
+      </p:sp>
+      <p:sp>
+        <p:nvSpPr>
+          <p:cNvPr id="11" name="Rectangle 3"/>
+          <p:cNvSpPr>
+            <a:spLocks noChangeArrowheads="1"/>
+          </p:cNvSpPr>
+          <p:nvPr/>
+        </p:nvSpPr>
+        <p:spPr bwMode="auto">
+          <a:xfrm>
+            <a:off x="2797175" y="1828800"/>
+            <a:ext cx="9144000" cy="0"/>
+          </a:xfrm>
+          <a:prstGeom prst="rect">
+            <a:avLst/>
+          </a:prstGeom>
+          <a:noFill/>
+          <a:ln>
+            <a:noFill/>
+          </a:ln>
+          <a:effectLst/>
+          <a:extLst>
+            <a:ext uri="{909E8E84-426E-40DD-AFC4-6F175D3DCCD1}">
+              <a14:hiddenFill xmlns:a14="http://schemas.microsoft.com/office/drawing/2010/main">
+                <a:solidFill>
+                  <a:schemeClr val="accent1"/>
+                </a:solidFill>
+              </a14:hiddenFill>
+            </a:ext>
+            <a:ext uri="{91240B29-F687-4F45-9708-019B960494DF}">
+              <a14:hiddenLine xmlns:a14="http://schemas.microsoft.com/office/drawing/2010/main" w="9525">
+                <a:solidFill>
+                  <a:schemeClr val="tx1"/>
+                </a:solidFill>
+                <a:miter lim="800000"/>
+                <a:headEnd/>
+                <a:tailEnd/>
+              </a14:hiddenLine>
+            </a:ext>
+            <a:ext uri="{AF507438-7753-43E0-B8FC-AC1667EBCBE1}">
+              <a14:hiddenEffects xmlns:a14="http://schemas.microsoft.com/office/drawing/2010/main">
+                <a:effectLst>
+                  <a:outerShdw dist="35921" dir="2700000" algn="ctr" rotWithShape="0">
+                    <a:schemeClr val="bg2"/>
+                  </a:outerShdw>
+                </a:effectLst>
+              </a14:hiddenEffects>
+            </a:ext>
+          </a:extLst>
+        </p:spPr>
+        <p:txBody>
+          <a:bodyPr vert="horz" wrap="none" lIns="91440" tIns="45720" rIns="91440" bIns="45720" numCol="1" anchor="ctr" anchorCtr="0" compatLnSpc="1">
+            <a:prstTxWarp prst="textNoShape">
+              <a:avLst/>
+            </a:prstTxWarp>
+            <a:spAutoFit/>
+          </a:bodyPr>
+          <a:lstStyle/>
+          <a:p>
+            <a:pPr marL="0" marR="0" lvl="0" indent="0" algn="l" defTabSz="914400" rtl="0" eaLnBrk="0" fontAlgn="base" latinLnBrk="0" hangingPunct="0">
+              <a:lnSpc>
+                <a:spcPct val="100000"/>
+              </a:lnSpc>
+              <a:spcBef>
+                <a:spcPct val="0"/>
+              </a:spcBef>
+              <a:spcAft>
+                <a:spcPct val="0"/>
+              </a:spcAft>
+              <a:buClrTx/>
+              <a:buSzTx/>
+              <a:buFontTx/>
+              <a:buNone/>
+              <a:tabLst/>
+            </a:pPr>
+            <a:br>
+              <a:rPr kumimoji="0" lang="en-US" altLang="en-US" sz="1800" b="0" i="0" u="none" strike="noStrike" cap="none" normalizeH="0" baseline="0">
+                <a:ln>
+                  <a:noFill/>
+                </a:ln>
+                <a:solidFill>
+                  <a:schemeClr val="tx1"/>
+                </a:solidFill>
+                <a:effectLst/>
+                <a:latin typeface="Arial" panose="020B0604020202020204" pitchFamily="34" charset="0"/>
+              </a:rPr>
+            </a:br>
+            <a:endParaRPr kumimoji="0" lang="en-US" altLang="en-US" sz="1800" b="0" i="0" u="none" strike="noStrike" cap="none" normalizeH="0" baseline="0">
+              <a:ln>
+                <a:noFill/>
+              </a:ln>
+              <a:solidFill>
+                <a:schemeClr val="tx1"/>
+              </a:solidFill>
+              <a:effectLst/>
+              <a:latin typeface="Arial" panose="020B0604020202020204" pitchFamily="34" charset="0"/>
+            </a:endParaRPr>
+          </a:p>
+        </p:txBody>
+      </p:sp>
     </p:spTree>
     <p:extLst>
       <p:ext uri="{BB962C8B-B14F-4D97-AF65-F5344CB8AC3E}">
@@ -5043,7 +5488,7 @@
 </p:sld>
 </file>
 
-<file path=ppt/slides/slide4.xml><?xml version="1.0" encoding="utf-8"?>
+<file path=ppt/slides/slide5.xml><?xml version="1.0" encoding="utf-8"?>
 <p:sld xmlns:a="http://schemas.openxmlformats.org/drawingml/2006/main" xmlns:r="http://schemas.openxmlformats.org/officeDocument/2006/relationships" xmlns:p="http://schemas.openxmlformats.org/presentationml/2006/main">
   <p:cSld>
     <p:spTree>
@@ -5183,7 +5628,7 @@
                 <a:latin typeface="Arial" pitchFamily="34" charset="0"/>
                 <a:cs typeface="Arial" pitchFamily="34" charset="0"/>
               </a:rPr>
-              <a:t>Задание 1</a:t>
+              <a:t>Задание 2</a:t>
             </a:r>
           </a:p>
         </p:txBody>
@@ -5306,7 +5751,7 @@
 </p:sld>
 </file>
 
-<file path=ppt/slides/slide5.xml><?xml version="1.0" encoding="utf-8"?>
+<file path=ppt/slides/slide6.xml><?xml version="1.0" encoding="utf-8"?>
 <p:sld xmlns:a="http://schemas.openxmlformats.org/drawingml/2006/main" xmlns:r="http://schemas.openxmlformats.org/officeDocument/2006/relationships" xmlns:p="http://schemas.openxmlformats.org/presentationml/2006/main">
   <p:cSld>
     <p:spTree>
@@ -5456,15 +5901,18 @@
                 <a:latin typeface="Arial" pitchFamily="34" charset="0"/>
                 <a:cs typeface="Arial" pitchFamily="34" charset="0"/>
               </a:rPr>
-              <a:t> 2</a:t>
-            </a:r>
-            <a:endParaRPr lang="ru-RU" sz="3600" b="1" dirty="0">
-              <a:solidFill>
-                <a:srgbClr val="0064B5"/>
-              </a:solidFill>
-              <a:latin typeface="Arial" pitchFamily="34" charset="0"/>
-              <a:cs typeface="Arial" pitchFamily="34" charset="0"/>
-            </a:endParaRPr>
+              <a:t> </a:t>
+            </a:r>
+            <a:r>
+              <a:rPr lang="ru-RU" sz="3600" b="1" dirty="0">
+                <a:solidFill>
+                  <a:srgbClr val="0064B5"/>
+                </a:solidFill>
+                <a:latin typeface="Arial" pitchFamily="34" charset="0"/>
+                <a:cs typeface="Arial" pitchFamily="34" charset="0"/>
+              </a:rPr>
+              <a:t>3</a:t>
+            </a:r>
           </a:p>
         </p:txBody>
       </p:sp>
